--- a/lesson-11/lesson-11.pptx
+++ b/lesson-11/lesson-11.pptx
@@ -6448,7 +6448,7 @@
         </p:blipFill>
         <p:spPr bwMode="auto">
           <a:xfrm>
-            <a:off x="4401430" y="528637"/>
+            <a:off x="4471172" y="260764"/>
             <a:ext cx="4255207" cy="1361948"/>
           </a:xfrm>
           <a:prstGeom prst="rect">
